--- a/軟工期中.pptx
+++ b/軟工期中.pptx
@@ -7,10 +7,11 @@
   <p:sldIdLst>
     <p:sldId id="256" r:id="rId2"/>
     <p:sldId id="261" r:id="rId3"/>
-    <p:sldId id="257" r:id="rId4"/>
+    <p:sldId id="259" r:id="rId4"/>
     <p:sldId id="258" r:id="rId5"/>
-    <p:sldId id="259" r:id="rId6"/>
+    <p:sldId id="257" r:id="rId6"/>
     <p:sldId id="260" r:id="rId7"/>
+    <p:sldId id="262" r:id="rId8"/>
   </p:sldIdLst>
   <p:sldSz cx="12192000" cy="6858000"/>
   <p:notesSz cx="6858000" cy="9144000"/>
@@ -109,6 +110,11 @@
       </a:defRPr>
     </a:lvl9pPr>
   </p:defaultTextStyle>
+  <p:extLst>
+    <p:ext uri="{EFAFB233-063F-42B5-8137-9DF3F51BA10A}">
+      <p15:sldGuideLst xmlns:p15="http://schemas.microsoft.com/office/powerpoint/2012/main"/>
+    </p:ext>
+  </p:extLst>
 </p:presentation>
 </file>
 
@@ -834,7 +840,7 @@
           <a:p>
             <a:fld id="{48A87A34-81AB-432B-8DAE-1953F412C126}" type="datetimeFigureOut">
               <a:rPr lang="en-US" smtClean="0"/>
-              <a:t>10/31/2018</a:t>
+              <a:t>11/5/2018</a:t>
             </a:fld>
             <a:endParaRPr lang="en-US" dirty="0"/>
           </a:p>
@@ -1086,7 +1092,7 @@
             <a:fld id="{48A87A34-81AB-432B-8DAE-1953F412C126}" type="datetimeFigureOut">
               <a:rPr lang="en-US" smtClean="0"/>
               <a:pPr/>
-              <a:t>10/31/2018</a:t>
+              <a:t>11/5/2018</a:t>
             </a:fld>
             <a:endParaRPr lang="en-US" dirty="0"/>
           </a:p>
@@ -1402,7 +1408,7 @@
             <a:fld id="{48A87A34-81AB-432B-8DAE-1953F412C126}" type="datetimeFigureOut">
               <a:rPr lang="en-US" smtClean="0"/>
               <a:pPr/>
-              <a:t>10/31/2018</a:t>
+              <a:t>11/5/2018</a:t>
             </a:fld>
             <a:endParaRPr lang="en-US" dirty="0"/>
           </a:p>
@@ -1745,7 +1751,7 @@
             <a:fld id="{48A87A34-81AB-432B-8DAE-1953F412C126}" type="datetimeFigureOut">
               <a:rPr lang="en-US" smtClean="0"/>
               <a:pPr/>
-              <a:t>10/31/2018</a:t>
+              <a:t>11/5/2018</a:t>
             </a:fld>
             <a:endParaRPr lang="en-US" dirty="0"/>
           </a:p>
@@ -2061,7 +2067,7 @@
             <a:fld id="{48A87A34-81AB-432B-8DAE-1953F412C126}" type="datetimeFigureOut">
               <a:rPr lang="en-US" smtClean="0"/>
               <a:pPr/>
-              <a:t>10/31/2018</a:t>
+              <a:t>11/5/2018</a:t>
             </a:fld>
             <a:endParaRPr lang="en-US" dirty="0"/>
           </a:p>
@@ -2456,7 +2462,7 @@
             <a:fld id="{48A87A34-81AB-432B-8DAE-1953F412C126}" type="datetimeFigureOut">
               <a:rPr lang="en-US" smtClean="0"/>
               <a:pPr/>
-              <a:t>10/31/2018</a:t>
+              <a:t>11/5/2018</a:t>
             </a:fld>
             <a:endParaRPr lang="en-US" dirty="0"/>
           </a:p>
@@ -2627,7 +2633,7 @@
           <a:p>
             <a:fld id="{48A87A34-81AB-432B-8DAE-1953F412C126}" type="datetimeFigureOut">
               <a:rPr lang="en-US" smtClean="0"/>
-              <a:t>10/31/2018</a:t>
+              <a:t>11/5/2018</a:t>
             </a:fld>
             <a:endParaRPr lang="en-US" dirty="0"/>
           </a:p>
@@ -2807,7 +2813,7 @@
           <a:p>
             <a:fld id="{48A87A34-81AB-432B-8DAE-1953F412C126}" type="datetimeFigureOut">
               <a:rPr lang="en-US" smtClean="0"/>
-              <a:t>10/31/2018</a:t>
+              <a:t>11/5/2018</a:t>
             </a:fld>
             <a:endParaRPr lang="en-US" dirty="0"/>
           </a:p>
@@ -2983,7 +2989,7 @@
           <a:p>
             <a:fld id="{48A87A34-81AB-432B-8DAE-1953F412C126}" type="datetimeFigureOut">
               <a:rPr lang="en-US" smtClean="0"/>
-              <a:t>10/31/2018</a:t>
+              <a:t>11/5/2018</a:t>
             </a:fld>
             <a:endParaRPr lang="en-US" dirty="0"/>
           </a:p>
@@ -3230,7 +3236,7 @@
           <a:p>
             <a:fld id="{48A87A34-81AB-432B-8DAE-1953F412C126}" type="datetimeFigureOut">
               <a:rPr lang="en-US" smtClean="0"/>
-              <a:t>10/31/2018</a:t>
+              <a:t>11/5/2018</a:t>
             </a:fld>
             <a:endParaRPr lang="en-US" dirty="0"/>
           </a:p>
@@ -3462,7 +3468,7 @@
           <a:p>
             <a:fld id="{48A87A34-81AB-432B-8DAE-1953F412C126}" type="datetimeFigureOut">
               <a:rPr lang="en-US" smtClean="0"/>
-              <a:t>10/31/2018</a:t>
+              <a:t>11/5/2018</a:t>
             </a:fld>
             <a:endParaRPr lang="en-US" dirty="0"/>
           </a:p>
@@ -3836,7 +3842,7 @@
           <a:p>
             <a:fld id="{48A87A34-81AB-432B-8DAE-1953F412C126}" type="datetimeFigureOut">
               <a:rPr lang="en-US" smtClean="0"/>
-              <a:t>10/31/2018</a:t>
+              <a:t>11/5/2018</a:t>
             </a:fld>
             <a:endParaRPr lang="en-US" dirty="0"/>
           </a:p>
@@ -3959,7 +3965,7 @@
           <a:p>
             <a:fld id="{48A87A34-81AB-432B-8DAE-1953F412C126}" type="datetimeFigureOut">
               <a:rPr lang="en-US" smtClean="0"/>
-              <a:t>10/31/2018</a:t>
+              <a:t>11/5/2018</a:t>
             </a:fld>
             <a:endParaRPr lang="en-US" dirty="0"/>
           </a:p>
@@ -4054,7 +4060,7 @@
           <a:p>
             <a:fld id="{48A87A34-81AB-432B-8DAE-1953F412C126}" type="datetimeFigureOut">
               <a:rPr lang="en-US" smtClean="0"/>
-              <a:t>10/31/2018</a:t>
+              <a:t>11/5/2018</a:t>
             </a:fld>
             <a:endParaRPr lang="en-US" dirty="0"/>
           </a:p>
@@ -4309,7 +4315,7 @@
           <a:p>
             <a:fld id="{48A87A34-81AB-432B-8DAE-1953F412C126}" type="datetimeFigureOut">
               <a:rPr lang="en-US" smtClean="0"/>
-              <a:t>10/31/2018</a:t>
+              <a:t>11/5/2018</a:t>
             </a:fld>
             <a:endParaRPr lang="en-US" dirty="0"/>
           </a:p>
@@ -4573,7 +4579,7 @@
             <a:fld id="{48A87A34-81AB-432B-8DAE-1953F412C126}" type="datetimeFigureOut">
               <a:rPr lang="en-US" smtClean="0"/>
               <a:pPr/>
-              <a:t>10/31/2018</a:t>
+              <a:t>11/5/2018</a:t>
             </a:fld>
             <a:endParaRPr lang="en-US" dirty="0"/>
           </a:p>
@@ -5317,7 +5323,7 @@
             <a:fld id="{48A87A34-81AB-432B-8DAE-1953F412C126}" type="datetimeFigureOut">
               <a:rPr lang="en-US" smtClean="0"/>
               <a:pPr/>
-              <a:t>10/31/2018</a:t>
+              <a:t>11/5/2018</a:t>
             </a:fld>
             <a:endParaRPr lang="en-US" dirty="0"/>
           </a:p>
@@ -6199,314 +6205,6 @@
 </file>
 
 <file path=ppt/slides/slide3.xml><?xml version="1.0" encoding="utf-8"?>
-<p:sld xmlns:a="http://schemas.openxmlformats.org/drawingml/2006/main" xmlns:r="http://schemas.openxmlformats.org/officeDocument/2006/relationships" xmlns:p="http://schemas.openxmlformats.org/presentationml/2006/main">
-  <p:cSld>
-    <p:spTree>
-      <p:nvGrpSpPr>
-        <p:cNvPr id="1" name=""/>
-        <p:cNvGrpSpPr/>
-        <p:nvPr/>
-      </p:nvGrpSpPr>
-      <p:grpSpPr>
-        <a:xfrm>
-          <a:off x="0" y="0"/>
-          <a:ext cx="0" cy="0"/>
-          <a:chOff x="0" y="0"/>
-          <a:chExt cx="0" cy="0"/>
-        </a:xfrm>
-      </p:grpSpPr>
-      <p:sp>
-        <p:nvSpPr>
-          <p:cNvPr id="2" name="標題 1">
-            <a:extLst>
-              <a:ext uri="{FF2B5EF4-FFF2-40B4-BE49-F238E27FC236}">
-                <a16:creationId xmlns:a16="http://schemas.microsoft.com/office/drawing/2014/main" id="{F00FB21B-E35F-4DD8-B081-B98043AD2FE8}"/>
-              </a:ext>
-            </a:extLst>
-          </p:cNvPr>
-          <p:cNvSpPr>
-            <a:spLocks noGrp="1"/>
-          </p:cNvSpPr>
-          <p:nvPr>
-            <p:ph type="title"/>
-          </p:nvPr>
-        </p:nvSpPr>
-        <p:spPr/>
-        <p:txBody>
-          <a:bodyPr/>
-          <a:lstStyle/>
-          <a:p>
-            <a:r>
-              <a:rPr lang="zh-TW" altLang="zh-TW" b="1" dirty="0"/>
-              <a:t>使用</a:t>
-            </a:r>
-            <a:r>
-              <a:rPr lang="zh-TW" altLang="en-US" b="1" dirty="0"/>
-              <a:t>者</a:t>
-            </a:r>
-            <a:r>
-              <a:rPr lang="zh-TW" altLang="zh-TW" b="1" dirty="0"/>
-              <a:t>案例圖</a:t>
-            </a:r>
-            <a:br>
-              <a:rPr lang="zh-TW" altLang="zh-TW" dirty="0"/>
-            </a:br>
-            <a:endParaRPr lang="zh-TW" altLang="en-US" dirty="0"/>
-          </a:p>
-        </p:txBody>
-      </p:sp>
-      <p:sp>
-        <p:nvSpPr>
-          <p:cNvPr id="3" name="內容版面配置區 2">
-            <a:extLst>
-              <a:ext uri="{FF2B5EF4-FFF2-40B4-BE49-F238E27FC236}">
-                <a16:creationId xmlns:a16="http://schemas.microsoft.com/office/drawing/2014/main" id="{8CEBE9F5-0F64-40CE-B338-7332ADA87219}"/>
-              </a:ext>
-            </a:extLst>
-          </p:cNvPr>
-          <p:cNvSpPr>
-            <a:spLocks noGrp="1"/>
-          </p:cNvSpPr>
-          <p:nvPr>
-            <p:ph idx="1"/>
-          </p:nvPr>
-        </p:nvSpPr>
-        <p:spPr>
-          <a:xfrm>
-            <a:off x="5803496" y="3190515"/>
-            <a:ext cx="3072995" cy="2053798"/>
-          </a:xfrm>
-        </p:spPr>
-        <p:txBody>
-          <a:bodyPr/>
-          <a:lstStyle/>
-          <a:p>
-            <a:endParaRPr lang="zh-TW" altLang="en-US" dirty="0"/>
-          </a:p>
-        </p:txBody>
-      </p:sp>
-      <p:pic>
-        <p:nvPicPr>
-          <p:cNvPr id="1026" name="Picture 2" descr="螢幕快照 2018-10-31 下午2">
-            <a:extLst>
-              <a:ext uri="{FF2B5EF4-FFF2-40B4-BE49-F238E27FC236}">
-                <a16:creationId xmlns:a16="http://schemas.microsoft.com/office/drawing/2014/main" id="{B41A0B1E-5C4C-4EF2-B181-9C5551503CB4}"/>
-              </a:ext>
-            </a:extLst>
-          </p:cNvPr>
-          <p:cNvPicPr>
-            <a:picLocks noChangeAspect="1" noChangeArrowheads="1"/>
-          </p:cNvPicPr>
-          <p:nvPr/>
-        </p:nvPicPr>
-        <p:blipFill>
-          <a:blip r:embed="rId2">
-            <a:extLst>
-              <a:ext uri="{28A0092B-C50C-407E-A947-70E740481C1C}">
-                <a14:useLocalDpi xmlns:a14="http://schemas.microsoft.com/office/drawing/2010/main" val="0"/>
-              </a:ext>
-            </a:extLst>
-          </a:blip>
-          <a:srcRect/>
-          <a:stretch>
-            <a:fillRect/>
-          </a:stretch>
-        </p:blipFill>
-        <p:spPr bwMode="auto">
-          <a:xfrm>
-            <a:off x="538604" y="1483666"/>
-            <a:ext cx="8337887" cy="4821227"/>
-          </a:xfrm>
-          <a:prstGeom prst="rect">
-            <a:avLst/>
-          </a:prstGeom>
-          <a:noFill/>
-          <a:ln>
-            <a:noFill/>
-          </a:ln>
-          <a:extLst>
-            <a:ext uri="{909E8E84-426E-40DD-AFC4-6F175D3DCCD1}">
-              <a14:hiddenFill xmlns:a14="http://schemas.microsoft.com/office/drawing/2010/main">
-                <a:solidFill>
-                  <a:srgbClr val="FFFFFF"/>
-                </a:solidFill>
-              </a14:hiddenFill>
-            </a:ext>
-            <a:ext uri="{91240B29-F687-4F45-9708-019B960494DF}">
-              <a14:hiddenLine xmlns:a14="http://schemas.microsoft.com/office/drawing/2010/main" w="9525">
-                <a:solidFill>
-                  <a:srgbClr val="000000"/>
-                </a:solidFill>
-                <a:miter lim="800000"/>
-                <a:headEnd/>
-                <a:tailEnd/>
-              </a14:hiddenLine>
-            </a:ext>
-          </a:extLst>
-        </p:spPr>
-      </p:pic>
-    </p:spTree>
-    <p:extLst>
-      <p:ext uri="{BB962C8B-B14F-4D97-AF65-F5344CB8AC3E}">
-        <p14:creationId xmlns:p14="http://schemas.microsoft.com/office/powerpoint/2010/main" val="603051588"/>
-      </p:ext>
-    </p:extLst>
-  </p:cSld>
-  <p:clrMapOvr>
-    <a:masterClrMapping/>
-  </p:clrMapOvr>
-</p:sld>
-</file>
-
-<file path=ppt/slides/slide4.xml><?xml version="1.0" encoding="utf-8"?>
-<p:sld xmlns:a="http://schemas.openxmlformats.org/drawingml/2006/main" xmlns:r="http://schemas.openxmlformats.org/officeDocument/2006/relationships" xmlns:p="http://schemas.openxmlformats.org/presentationml/2006/main">
-  <p:cSld>
-    <p:spTree>
-      <p:nvGrpSpPr>
-        <p:cNvPr id="1" name=""/>
-        <p:cNvGrpSpPr/>
-        <p:nvPr/>
-      </p:nvGrpSpPr>
-      <p:grpSpPr>
-        <a:xfrm>
-          <a:off x="0" y="0"/>
-          <a:ext cx="0" cy="0"/>
-          <a:chOff x="0" y="0"/>
-          <a:chExt cx="0" cy="0"/>
-        </a:xfrm>
-      </p:grpSpPr>
-      <p:sp>
-        <p:nvSpPr>
-          <p:cNvPr id="2" name="標題 1">
-            <a:extLst>
-              <a:ext uri="{FF2B5EF4-FFF2-40B4-BE49-F238E27FC236}">
-                <a16:creationId xmlns:a16="http://schemas.microsoft.com/office/drawing/2014/main" id="{53C1A884-B852-41C8-A95A-CD80E9DC0EE5}"/>
-              </a:ext>
-            </a:extLst>
-          </p:cNvPr>
-          <p:cNvSpPr>
-            <a:spLocks noGrp="1"/>
-          </p:cNvSpPr>
-          <p:nvPr>
-            <p:ph type="title"/>
-          </p:nvPr>
-        </p:nvSpPr>
-        <p:spPr/>
-        <p:txBody>
-          <a:bodyPr/>
-          <a:lstStyle/>
-          <a:p>
-            <a:r>
-              <a:rPr lang="zh-TW" altLang="en-US" b="1" dirty="0"/>
-              <a:t>  </a:t>
-            </a:r>
-            <a:r>
-              <a:rPr lang="zh-TW" altLang="zh-TW" b="1" dirty="0"/>
-              <a:t>系統架構</a:t>
-            </a:r>
-            <a:endParaRPr lang="zh-TW" altLang="en-US" dirty="0"/>
-          </a:p>
-        </p:txBody>
-      </p:sp>
-      <p:sp>
-        <p:nvSpPr>
-          <p:cNvPr id="3" name="內容版面配置區 2">
-            <a:extLst>
-              <a:ext uri="{FF2B5EF4-FFF2-40B4-BE49-F238E27FC236}">
-                <a16:creationId xmlns:a16="http://schemas.microsoft.com/office/drawing/2014/main" id="{EEF8A7D5-BACB-4A5F-B922-87853ADC6458}"/>
-              </a:ext>
-            </a:extLst>
-          </p:cNvPr>
-          <p:cNvSpPr>
-            <a:spLocks noGrp="1"/>
-          </p:cNvSpPr>
-          <p:nvPr>
-            <p:ph idx="1"/>
-          </p:nvPr>
-        </p:nvSpPr>
-        <p:spPr/>
-        <p:txBody>
-          <a:bodyPr/>
-          <a:lstStyle/>
-          <a:p>
-            <a:endParaRPr lang="zh-TW" altLang="en-US" dirty="0"/>
-          </a:p>
-        </p:txBody>
-      </p:sp>
-      <p:pic>
-        <p:nvPicPr>
-          <p:cNvPr id="2050" name="Picture 2" descr="螢幕快照 2018-10-31 下午2">
-            <a:extLst>
-              <a:ext uri="{FF2B5EF4-FFF2-40B4-BE49-F238E27FC236}">
-                <a16:creationId xmlns:a16="http://schemas.microsoft.com/office/drawing/2014/main" id="{506E1C14-2007-464E-B07D-B85639101197}"/>
-              </a:ext>
-            </a:extLst>
-          </p:cNvPr>
-          <p:cNvPicPr>
-            <a:picLocks noChangeAspect="1" noChangeArrowheads="1"/>
-          </p:cNvPicPr>
-          <p:nvPr/>
-        </p:nvPicPr>
-        <p:blipFill>
-          <a:blip r:embed="rId2">
-            <a:extLst>
-              <a:ext uri="{28A0092B-C50C-407E-A947-70E740481C1C}">
-                <a14:useLocalDpi xmlns:a14="http://schemas.microsoft.com/office/drawing/2010/main" val="0"/>
-              </a:ext>
-            </a:extLst>
-          </a:blip>
-          <a:srcRect/>
-          <a:stretch>
-            <a:fillRect/>
-          </a:stretch>
-        </p:blipFill>
-        <p:spPr bwMode="auto">
-          <a:xfrm>
-            <a:off x="677334" y="1270000"/>
-            <a:ext cx="7119714" cy="5300367"/>
-          </a:xfrm>
-          <a:prstGeom prst="rect">
-            <a:avLst/>
-          </a:prstGeom>
-          <a:noFill/>
-          <a:ln>
-            <a:noFill/>
-          </a:ln>
-          <a:extLst>
-            <a:ext uri="{909E8E84-426E-40DD-AFC4-6F175D3DCCD1}">
-              <a14:hiddenFill xmlns:a14="http://schemas.microsoft.com/office/drawing/2010/main">
-                <a:solidFill>
-                  <a:srgbClr val="FFFFFF"/>
-                </a:solidFill>
-              </a14:hiddenFill>
-            </a:ext>
-            <a:ext uri="{91240B29-F687-4F45-9708-019B960494DF}">
-              <a14:hiddenLine xmlns:a14="http://schemas.microsoft.com/office/drawing/2010/main" w="9525">
-                <a:solidFill>
-                  <a:srgbClr val="000000"/>
-                </a:solidFill>
-                <a:miter lim="800000"/>
-                <a:headEnd/>
-                <a:tailEnd/>
-              </a14:hiddenLine>
-            </a:ext>
-          </a:extLst>
-        </p:spPr>
-      </p:pic>
-    </p:spTree>
-    <p:extLst>
-      <p:ext uri="{BB962C8B-B14F-4D97-AF65-F5344CB8AC3E}">
-        <p14:creationId xmlns:p14="http://schemas.microsoft.com/office/powerpoint/2010/main" val="2360991875"/>
-      </p:ext>
-    </p:extLst>
-  </p:cSld>
-  <p:clrMapOvr>
-    <a:masterClrMapping/>
-  </p:clrMapOvr>
-</p:sld>
-</file>
-
-<file path=ppt/slides/slide5.xml><?xml version="1.0" encoding="utf-8"?>
 <p:sld xmlns:a="http://schemas.openxmlformats.org/drawingml/2006/main" xmlns:r="http://schemas.openxmlformats.org/officeDocument/2006/relationships" xmlns:p="http://schemas.openxmlformats.org/presentationml/2006/main">
   <p:cSld>
     <p:spTree>
@@ -7394,6 +7092,314 @@
 </p:sld>
 </file>
 
+<file path=ppt/slides/slide4.xml><?xml version="1.0" encoding="utf-8"?>
+<p:sld xmlns:a="http://schemas.openxmlformats.org/drawingml/2006/main" xmlns:r="http://schemas.openxmlformats.org/officeDocument/2006/relationships" xmlns:p="http://schemas.openxmlformats.org/presentationml/2006/main">
+  <p:cSld>
+    <p:spTree>
+      <p:nvGrpSpPr>
+        <p:cNvPr id="1" name=""/>
+        <p:cNvGrpSpPr/>
+        <p:nvPr/>
+      </p:nvGrpSpPr>
+      <p:grpSpPr>
+        <a:xfrm>
+          <a:off x="0" y="0"/>
+          <a:ext cx="0" cy="0"/>
+          <a:chOff x="0" y="0"/>
+          <a:chExt cx="0" cy="0"/>
+        </a:xfrm>
+      </p:grpSpPr>
+      <p:sp>
+        <p:nvSpPr>
+          <p:cNvPr id="2" name="標題 1">
+            <a:extLst>
+              <a:ext uri="{FF2B5EF4-FFF2-40B4-BE49-F238E27FC236}">
+                <a16:creationId xmlns:a16="http://schemas.microsoft.com/office/drawing/2014/main" id="{53C1A884-B852-41C8-A95A-CD80E9DC0EE5}"/>
+              </a:ext>
+            </a:extLst>
+          </p:cNvPr>
+          <p:cNvSpPr>
+            <a:spLocks noGrp="1"/>
+          </p:cNvSpPr>
+          <p:nvPr>
+            <p:ph type="title"/>
+          </p:nvPr>
+        </p:nvSpPr>
+        <p:spPr/>
+        <p:txBody>
+          <a:bodyPr/>
+          <a:lstStyle/>
+          <a:p>
+            <a:r>
+              <a:rPr lang="zh-TW" altLang="en-US" b="1" dirty="0"/>
+              <a:t>  </a:t>
+            </a:r>
+            <a:r>
+              <a:rPr lang="zh-TW" altLang="zh-TW" b="1" dirty="0"/>
+              <a:t>系統架構</a:t>
+            </a:r>
+            <a:endParaRPr lang="zh-TW" altLang="en-US" dirty="0"/>
+          </a:p>
+        </p:txBody>
+      </p:sp>
+      <p:sp>
+        <p:nvSpPr>
+          <p:cNvPr id="3" name="內容版面配置區 2">
+            <a:extLst>
+              <a:ext uri="{FF2B5EF4-FFF2-40B4-BE49-F238E27FC236}">
+                <a16:creationId xmlns:a16="http://schemas.microsoft.com/office/drawing/2014/main" id="{EEF8A7D5-BACB-4A5F-B922-87853ADC6458}"/>
+              </a:ext>
+            </a:extLst>
+          </p:cNvPr>
+          <p:cNvSpPr>
+            <a:spLocks noGrp="1"/>
+          </p:cNvSpPr>
+          <p:nvPr>
+            <p:ph idx="1"/>
+          </p:nvPr>
+        </p:nvSpPr>
+        <p:spPr/>
+        <p:txBody>
+          <a:bodyPr/>
+          <a:lstStyle/>
+          <a:p>
+            <a:endParaRPr lang="zh-TW" altLang="en-US" dirty="0"/>
+          </a:p>
+        </p:txBody>
+      </p:sp>
+      <p:pic>
+        <p:nvPicPr>
+          <p:cNvPr id="2050" name="Picture 2" descr="螢幕快照 2018-10-31 下午2">
+            <a:extLst>
+              <a:ext uri="{FF2B5EF4-FFF2-40B4-BE49-F238E27FC236}">
+                <a16:creationId xmlns:a16="http://schemas.microsoft.com/office/drawing/2014/main" id="{506E1C14-2007-464E-B07D-B85639101197}"/>
+              </a:ext>
+            </a:extLst>
+          </p:cNvPr>
+          <p:cNvPicPr>
+            <a:picLocks noChangeAspect="1" noChangeArrowheads="1"/>
+          </p:cNvPicPr>
+          <p:nvPr/>
+        </p:nvPicPr>
+        <p:blipFill>
+          <a:blip r:embed="rId2">
+            <a:extLst>
+              <a:ext uri="{28A0092B-C50C-407E-A947-70E740481C1C}">
+                <a14:useLocalDpi xmlns:a14="http://schemas.microsoft.com/office/drawing/2010/main" val="0"/>
+              </a:ext>
+            </a:extLst>
+          </a:blip>
+          <a:srcRect/>
+          <a:stretch>
+            <a:fillRect/>
+          </a:stretch>
+        </p:blipFill>
+        <p:spPr bwMode="auto">
+          <a:xfrm>
+            <a:off x="677334" y="1270000"/>
+            <a:ext cx="7119714" cy="5300367"/>
+          </a:xfrm>
+          <a:prstGeom prst="rect">
+            <a:avLst/>
+          </a:prstGeom>
+          <a:noFill/>
+          <a:ln>
+            <a:noFill/>
+          </a:ln>
+          <a:extLst>
+            <a:ext uri="{909E8E84-426E-40DD-AFC4-6F175D3DCCD1}">
+              <a14:hiddenFill xmlns:a14="http://schemas.microsoft.com/office/drawing/2010/main">
+                <a:solidFill>
+                  <a:srgbClr val="FFFFFF"/>
+                </a:solidFill>
+              </a14:hiddenFill>
+            </a:ext>
+            <a:ext uri="{91240B29-F687-4F45-9708-019B960494DF}">
+              <a14:hiddenLine xmlns:a14="http://schemas.microsoft.com/office/drawing/2010/main" w="9525">
+                <a:solidFill>
+                  <a:srgbClr val="000000"/>
+                </a:solidFill>
+                <a:miter lim="800000"/>
+                <a:headEnd/>
+                <a:tailEnd/>
+              </a14:hiddenLine>
+            </a:ext>
+          </a:extLst>
+        </p:spPr>
+      </p:pic>
+    </p:spTree>
+    <p:extLst>
+      <p:ext uri="{BB962C8B-B14F-4D97-AF65-F5344CB8AC3E}">
+        <p14:creationId xmlns:p14="http://schemas.microsoft.com/office/powerpoint/2010/main" val="2360991875"/>
+      </p:ext>
+    </p:extLst>
+  </p:cSld>
+  <p:clrMapOvr>
+    <a:masterClrMapping/>
+  </p:clrMapOvr>
+</p:sld>
+</file>
+
+<file path=ppt/slides/slide5.xml><?xml version="1.0" encoding="utf-8"?>
+<p:sld xmlns:a="http://schemas.openxmlformats.org/drawingml/2006/main" xmlns:r="http://schemas.openxmlformats.org/officeDocument/2006/relationships" xmlns:p="http://schemas.openxmlformats.org/presentationml/2006/main">
+  <p:cSld>
+    <p:spTree>
+      <p:nvGrpSpPr>
+        <p:cNvPr id="1" name=""/>
+        <p:cNvGrpSpPr/>
+        <p:nvPr/>
+      </p:nvGrpSpPr>
+      <p:grpSpPr>
+        <a:xfrm>
+          <a:off x="0" y="0"/>
+          <a:ext cx="0" cy="0"/>
+          <a:chOff x="0" y="0"/>
+          <a:chExt cx="0" cy="0"/>
+        </a:xfrm>
+      </p:grpSpPr>
+      <p:sp>
+        <p:nvSpPr>
+          <p:cNvPr id="2" name="標題 1">
+            <a:extLst>
+              <a:ext uri="{FF2B5EF4-FFF2-40B4-BE49-F238E27FC236}">
+                <a16:creationId xmlns:a16="http://schemas.microsoft.com/office/drawing/2014/main" id="{F00FB21B-E35F-4DD8-B081-B98043AD2FE8}"/>
+              </a:ext>
+            </a:extLst>
+          </p:cNvPr>
+          <p:cNvSpPr>
+            <a:spLocks noGrp="1"/>
+          </p:cNvSpPr>
+          <p:nvPr>
+            <p:ph type="title"/>
+          </p:nvPr>
+        </p:nvSpPr>
+        <p:spPr/>
+        <p:txBody>
+          <a:bodyPr/>
+          <a:lstStyle/>
+          <a:p>
+            <a:r>
+              <a:rPr lang="zh-TW" altLang="zh-TW" b="1" dirty="0"/>
+              <a:t>使用</a:t>
+            </a:r>
+            <a:r>
+              <a:rPr lang="zh-TW" altLang="en-US" b="1" dirty="0"/>
+              <a:t>者</a:t>
+            </a:r>
+            <a:r>
+              <a:rPr lang="zh-TW" altLang="zh-TW" b="1" dirty="0"/>
+              <a:t>案例圖</a:t>
+            </a:r>
+            <a:br>
+              <a:rPr lang="zh-TW" altLang="zh-TW" dirty="0"/>
+            </a:br>
+            <a:endParaRPr lang="zh-TW" altLang="en-US" dirty="0"/>
+          </a:p>
+        </p:txBody>
+      </p:sp>
+      <p:sp>
+        <p:nvSpPr>
+          <p:cNvPr id="3" name="內容版面配置區 2">
+            <a:extLst>
+              <a:ext uri="{FF2B5EF4-FFF2-40B4-BE49-F238E27FC236}">
+                <a16:creationId xmlns:a16="http://schemas.microsoft.com/office/drawing/2014/main" id="{8CEBE9F5-0F64-40CE-B338-7332ADA87219}"/>
+              </a:ext>
+            </a:extLst>
+          </p:cNvPr>
+          <p:cNvSpPr>
+            <a:spLocks noGrp="1"/>
+          </p:cNvSpPr>
+          <p:nvPr>
+            <p:ph idx="1"/>
+          </p:nvPr>
+        </p:nvSpPr>
+        <p:spPr>
+          <a:xfrm>
+            <a:off x="5803496" y="3190515"/>
+            <a:ext cx="3072995" cy="2053798"/>
+          </a:xfrm>
+        </p:spPr>
+        <p:txBody>
+          <a:bodyPr/>
+          <a:lstStyle/>
+          <a:p>
+            <a:endParaRPr lang="zh-TW" altLang="en-US" dirty="0"/>
+          </a:p>
+        </p:txBody>
+      </p:sp>
+      <p:pic>
+        <p:nvPicPr>
+          <p:cNvPr id="1026" name="Picture 2" descr="螢幕快照 2018-10-31 下午2">
+            <a:extLst>
+              <a:ext uri="{FF2B5EF4-FFF2-40B4-BE49-F238E27FC236}">
+                <a16:creationId xmlns:a16="http://schemas.microsoft.com/office/drawing/2014/main" id="{B41A0B1E-5C4C-4EF2-B181-9C5551503CB4}"/>
+              </a:ext>
+            </a:extLst>
+          </p:cNvPr>
+          <p:cNvPicPr>
+            <a:picLocks noChangeAspect="1" noChangeArrowheads="1"/>
+          </p:cNvPicPr>
+          <p:nvPr/>
+        </p:nvPicPr>
+        <p:blipFill>
+          <a:blip r:embed="rId2">
+            <a:extLst>
+              <a:ext uri="{28A0092B-C50C-407E-A947-70E740481C1C}">
+                <a14:useLocalDpi xmlns:a14="http://schemas.microsoft.com/office/drawing/2010/main" val="0"/>
+              </a:ext>
+            </a:extLst>
+          </a:blip>
+          <a:srcRect/>
+          <a:stretch>
+            <a:fillRect/>
+          </a:stretch>
+        </p:blipFill>
+        <p:spPr bwMode="auto">
+          <a:xfrm>
+            <a:off x="538604" y="1483666"/>
+            <a:ext cx="8337887" cy="4821227"/>
+          </a:xfrm>
+          <a:prstGeom prst="rect">
+            <a:avLst/>
+          </a:prstGeom>
+          <a:noFill/>
+          <a:ln>
+            <a:noFill/>
+          </a:ln>
+          <a:extLst>
+            <a:ext uri="{909E8E84-426E-40DD-AFC4-6F175D3DCCD1}">
+              <a14:hiddenFill xmlns:a14="http://schemas.microsoft.com/office/drawing/2010/main">
+                <a:solidFill>
+                  <a:srgbClr val="FFFFFF"/>
+                </a:solidFill>
+              </a14:hiddenFill>
+            </a:ext>
+            <a:ext uri="{91240B29-F687-4F45-9708-019B960494DF}">
+              <a14:hiddenLine xmlns:a14="http://schemas.microsoft.com/office/drawing/2010/main" w="9525">
+                <a:solidFill>
+                  <a:srgbClr val="000000"/>
+                </a:solidFill>
+                <a:miter lim="800000"/>
+                <a:headEnd/>
+                <a:tailEnd/>
+              </a14:hiddenLine>
+            </a:ext>
+          </a:extLst>
+        </p:spPr>
+      </p:pic>
+    </p:spTree>
+    <p:extLst>
+      <p:ext uri="{BB962C8B-B14F-4D97-AF65-F5344CB8AC3E}">
+        <p14:creationId xmlns:p14="http://schemas.microsoft.com/office/powerpoint/2010/main" val="603051588"/>
+      </p:ext>
+    </p:extLst>
+  </p:cSld>
+  <p:clrMapOvr>
+    <a:masterClrMapping/>
+  </p:clrMapOvr>
+</p:sld>
+</file>
+
 <file path=ppt/slides/slide6.xml><?xml version="1.0" encoding="utf-8"?>
 <p:sld xmlns:a="http://schemas.openxmlformats.org/drawingml/2006/main" xmlns:r="http://schemas.openxmlformats.org/officeDocument/2006/relationships" xmlns:p="http://schemas.openxmlformats.org/presentationml/2006/main">
   <p:cSld>
@@ -7432,7 +7438,15 @@
           <a:bodyPr/>
           <a:lstStyle/>
           <a:p>
-            <a:endParaRPr lang="zh-TW" altLang="en-US"/>
+            <a:r>
+              <a:rPr lang="zh-TW" altLang="en-US" dirty="0"/>
+              <a:t>               </a:t>
+            </a:r>
+            <a:r>
+              <a:rPr lang="en-US" altLang="zh-TW" dirty="0"/>
+              <a:t>Resource Required</a:t>
+            </a:r>
+            <a:endParaRPr lang="zh-TW" altLang="en-US" dirty="0"/>
           </a:p>
         </p:txBody>
       </p:sp>
@@ -7454,10 +7468,50 @@
         </p:nvSpPr>
         <p:spPr/>
         <p:txBody>
-          <a:bodyPr/>
+          <a:bodyPr>
+            <a:normAutofit/>
+          </a:bodyPr>
           <a:lstStyle/>
           <a:p>
-            <a:endParaRPr lang="zh-TW" altLang="en-US"/>
+            <a:r>
+              <a:rPr lang="zh-TW" altLang="en-US" sz="2800" b="1" dirty="0">
+                <a:latin typeface="+mj-ea"/>
+                <a:ea typeface="+mj-ea"/>
+              </a:rPr>
+              <a:t>工具</a:t>
+            </a:r>
+            <a:endParaRPr lang="en-US" altLang="zh-TW" sz="2800" b="1" dirty="0">
+              <a:latin typeface="+mj-ea"/>
+              <a:ea typeface="+mj-ea"/>
+            </a:endParaRPr>
+          </a:p>
+          <a:p>
+            <a:endParaRPr lang="en-US" altLang="zh-TW" sz="2800" b="1" dirty="0">
+              <a:latin typeface="+mj-ea"/>
+              <a:ea typeface="+mj-ea"/>
+            </a:endParaRPr>
+          </a:p>
+          <a:p>
+            <a:pPr marL="0" indent="0">
+              <a:buNone/>
+            </a:pPr>
+            <a:endParaRPr lang="en-US" altLang="zh-TW" sz="2800" b="1" dirty="0">
+              <a:latin typeface="+mj-ea"/>
+              <a:ea typeface="+mj-ea"/>
+            </a:endParaRPr>
+          </a:p>
+          <a:p>
+            <a:r>
+              <a:rPr lang="zh-TW" altLang="en-US" sz="2800" b="1" dirty="0">
+                <a:latin typeface="+mj-ea"/>
+                <a:ea typeface="+mj-ea"/>
+              </a:rPr>
+              <a:t>人員分配</a:t>
+            </a:r>
+            <a:endParaRPr lang="en-US" altLang="zh-TW" sz="2800" b="1" dirty="0">
+              <a:latin typeface="+mj-ea"/>
+              <a:ea typeface="+mj-ea"/>
+            </a:endParaRPr>
           </a:p>
         </p:txBody>
       </p:sp>
@@ -7465,6 +7519,86 @@
     <p:extLst>
       <p:ext uri="{BB962C8B-B14F-4D97-AF65-F5344CB8AC3E}">
         <p14:creationId xmlns:p14="http://schemas.microsoft.com/office/powerpoint/2010/main" val="2485991531"/>
+      </p:ext>
+    </p:extLst>
+  </p:cSld>
+  <p:clrMapOvr>
+    <a:masterClrMapping/>
+  </p:clrMapOvr>
+</p:sld>
+</file>
+
+<file path=ppt/slides/slide7.xml><?xml version="1.0" encoding="utf-8"?>
+<p:sld xmlns:a="http://schemas.openxmlformats.org/drawingml/2006/main" xmlns:r="http://schemas.openxmlformats.org/officeDocument/2006/relationships" xmlns:p="http://schemas.openxmlformats.org/presentationml/2006/main">
+  <p:cSld>
+    <p:spTree>
+      <p:nvGrpSpPr>
+        <p:cNvPr id="1" name=""/>
+        <p:cNvGrpSpPr/>
+        <p:nvPr/>
+      </p:nvGrpSpPr>
+      <p:grpSpPr>
+        <a:xfrm>
+          <a:off x="0" y="0"/>
+          <a:ext cx="0" cy="0"/>
+          <a:chOff x="0" y="0"/>
+          <a:chExt cx="0" cy="0"/>
+        </a:xfrm>
+      </p:grpSpPr>
+      <p:sp>
+        <p:nvSpPr>
+          <p:cNvPr id="2" name="標題 1">
+            <a:extLst>
+              <a:ext uri="{FF2B5EF4-FFF2-40B4-BE49-F238E27FC236}">
+                <a16:creationId xmlns:a16="http://schemas.microsoft.com/office/drawing/2014/main" id="{864D5A15-5EE1-40BC-B33C-FD294AD82ABE}"/>
+              </a:ext>
+            </a:extLst>
+          </p:cNvPr>
+          <p:cNvSpPr>
+            <a:spLocks noGrp="1"/>
+          </p:cNvSpPr>
+          <p:nvPr>
+            <p:ph type="title"/>
+          </p:nvPr>
+        </p:nvSpPr>
+        <p:spPr/>
+        <p:txBody>
+          <a:bodyPr/>
+          <a:lstStyle/>
+          <a:p>
+            <a:endParaRPr lang="zh-TW" altLang="en-US"/>
+          </a:p>
+        </p:txBody>
+      </p:sp>
+      <p:sp>
+        <p:nvSpPr>
+          <p:cNvPr id="3" name="內容版面配置區 2">
+            <a:extLst>
+              <a:ext uri="{FF2B5EF4-FFF2-40B4-BE49-F238E27FC236}">
+                <a16:creationId xmlns:a16="http://schemas.microsoft.com/office/drawing/2014/main" id="{B02CE70D-CD6B-4A9C-84E2-E4DB0412A3CC}"/>
+              </a:ext>
+            </a:extLst>
+          </p:cNvPr>
+          <p:cNvSpPr>
+            <a:spLocks noGrp="1"/>
+          </p:cNvSpPr>
+          <p:nvPr>
+            <p:ph idx="1"/>
+          </p:nvPr>
+        </p:nvSpPr>
+        <p:spPr/>
+        <p:txBody>
+          <a:bodyPr/>
+          <a:lstStyle/>
+          <a:p>
+            <a:endParaRPr lang="zh-TW" altLang="en-US"/>
+          </a:p>
+        </p:txBody>
+      </p:sp>
+    </p:spTree>
+    <p:extLst>
+      <p:ext uri="{BB962C8B-B14F-4D97-AF65-F5344CB8AC3E}">
+        <p14:creationId xmlns:p14="http://schemas.microsoft.com/office/powerpoint/2010/main" val="1744987218"/>
       </p:ext>
     </p:extLst>
   </p:cSld>
